--- a/Presentation Documents/Leave Management System Presentation.pptx
+++ b/Presentation Documents/Leave Management System Presentation.pptx
@@ -123,158 +123,6 @@
     <p1510:client id="{969810FB-6F2F-4A62-9447-C37C4A0FDA1A}" v="2" dt="2023-03-31T07:08:00.266"/>
   </p1510:revLst>
 </p1510:revInfo>
-</file>
-
-<file path=ppt/changesInfos/changesInfo1.xml><?xml version="1.0" encoding="utf-8"?>
-<pc:chgInfo xmlns:a="http://schemas.openxmlformats.org/drawingml/2006/main" xmlns:r="http://schemas.openxmlformats.org/officeDocument/2006/relationships" xmlns:ac="http://schemas.microsoft.com/office/drawing/2013/main/command" xmlns:pc="http://schemas.microsoft.com/office/powerpoint/2013/main/command">
-  <pc:docChgLst>
-    <pc:chgData name="Nikhil Kumar" userId="5f7f483b-4f2c-48dd-a649-a7546b219272" providerId="ADAL" clId="{969810FB-6F2F-4A62-9447-C37C4A0FDA1A}"/>
-    <pc:docChg chg="custSel addSld modSld">
-      <pc:chgData name="Nikhil Kumar" userId="5f7f483b-4f2c-48dd-a649-a7546b219272" providerId="ADAL" clId="{969810FB-6F2F-4A62-9447-C37C4A0FDA1A}" dt="2023-03-31T07:08:21.503" v="49" actId="1076"/>
-      <pc:docMkLst>
-        <pc:docMk/>
-      </pc:docMkLst>
-      <pc:sldChg chg="modSp mod">
-        <pc:chgData name="Nikhil Kumar" userId="5f7f483b-4f2c-48dd-a649-a7546b219272" providerId="ADAL" clId="{969810FB-6F2F-4A62-9447-C37C4A0FDA1A}" dt="2023-03-31T07:07:53.300" v="43" actId="1076"/>
-        <pc:sldMkLst>
-          <pc:docMk/>
-          <pc:sldMk cId="3252393747" sldId="256"/>
-        </pc:sldMkLst>
-        <pc:spChg chg="mod">
-          <ac:chgData name="Nikhil Kumar" userId="5f7f483b-4f2c-48dd-a649-a7546b219272" providerId="ADAL" clId="{969810FB-6F2F-4A62-9447-C37C4A0FDA1A}" dt="2023-03-31T07:07:10.250" v="33" actId="1076"/>
-          <ac:spMkLst>
-            <pc:docMk/>
-            <pc:sldMk cId="3252393747" sldId="256"/>
-            <ac:spMk id="2" creationId="{4AD0B4C4-DBB6-D9A4-99E7-148188ACA6B2}"/>
-          </ac:spMkLst>
-        </pc:spChg>
-        <pc:spChg chg="mod">
-          <ac:chgData name="Nikhil Kumar" userId="5f7f483b-4f2c-48dd-a649-a7546b219272" providerId="ADAL" clId="{969810FB-6F2F-4A62-9447-C37C4A0FDA1A}" dt="2023-03-31T07:07:53.300" v="43" actId="1076"/>
-          <ac:spMkLst>
-            <pc:docMk/>
-            <pc:sldMk cId="3252393747" sldId="256"/>
-            <ac:spMk id="3" creationId="{0328830E-A32D-90F2-23DD-EC2D64522A31}"/>
-          </ac:spMkLst>
-        </pc:spChg>
-        <pc:spChg chg="mod">
-          <ac:chgData name="Nikhil Kumar" userId="5f7f483b-4f2c-48dd-a649-a7546b219272" providerId="ADAL" clId="{969810FB-6F2F-4A62-9447-C37C4A0FDA1A}" dt="2023-03-31T07:07:39.585" v="37" actId="1076"/>
-          <ac:spMkLst>
-            <pc:docMk/>
-            <pc:sldMk cId="3252393747" sldId="256"/>
-            <ac:spMk id="4" creationId="{07B83D18-D202-09D3-2E54-995A473EC0E2}"/>
-          </ac:spMkLst>
-        </pc:spChg>
-      </pc:sldChg>
-      <pc:sldChg chg="modSp mod">
-        <pc:chgData name="Nikhil Kumar" userId="5f7f483b-4f2c-48dd-a649-a7546b219272" providerId="ADAL" clId="{969810FB-6F2F-4A62-9447-C37C4A0FDA1A}" dt="2023-03-31T07:06:20.327" v="27" actId="1076"/>
-        <pc:sldMkLst>
-          <pc:docMk/>
-          <pc:sldMk cId="3632099954" sldId="257"/>
-        </pc:sldMkLst>
-        <pc:spChg chg="mod">
-          <ac:chgData name="Nikhil Kumar" userId="5f7f483b-4f2c-48dd-a649-a7546b219272" providerId="ADAL" clId="{969810FB-6F2F-4A62-9447-C37C4A0FDA1A}" dt="2023-03-31T07:06:20.327" v="27" actId="1076"/>
-          <ac:spMkLst>
-            <pc:docMk/>
-            <pc:sldMk cId="3632099954" sldId="257"/>
-            <ac:spMk id="2" creationId="{5C816246-0F2B-2118-E706-FFA92FC8C742}"/>
-          </ac:spMkLst>
-        </pc:spChg>
-      </pc:sldChg>
-      <pc:sldChg chg="modSp mod">
-        <pc:chgData name="Nikhil Kumar" userId="5f7f483b-4f2c-48dd-a649-a7546b219272" providerId="ADAL" clId="{969810FB-6F2F-4A62-9447-C37C4A0FDA1A}" dt="2023-03-31T07:08:03.840" v="45" actId="1076"/>
-        <pc:sldMkLst>
-          <pc:docMk/>
-          <pc:sldMk cId="1866496812" sldId="258"/>
-        </pc:sldMkLst>
-        <pc:spChg chg="mod">
-          <ac:chgData name="Nikhil Kumar" userId="5f7f483b-4f2c-48dd-a649-a7546b219272" providerId="ADAL" clId="{969810FB-6F2F-4A62-9447-C37C4A0FDA1A}" dt="2023-03-31T07:08:03.840" v="45" actId="1076"/>
-          <ac:spMkLst>
-            <pc:docMk/>
-            <pc:sldMk cId="1866496812" sldId="258"/>
-            <ac:spMk id="2" creationId="{008F255C-1CC0-BA3C-7088-312CDC56016D}"/>
-          </ac:spMkLst>
-        </pc:spChg>
-        <pc:picChg chg="mod">
-          <ac:chgData name="Nikhil Kumar" userId="5f7f483b-4f2c-48dd-a649-a7546b219272" providerId="ADAL" clId="{969810FB-6F2F-4A62-9447-C37C4A0FDA1A}" dt="2023-03-31T07:08:00.266" v="44" actId="1076"/>
-          <ac:picMkLst>
-            <pc:docMk/>
-            <pc:sldMk cId="1866496812" sldId="258"/>
-            <ac:picMk id="1026" creationId="{B90E106C-E69A-0E3A-1A0C-31CB45EA0620}"/>
-          </ac:picMkLst>
-        </pc:picChg>
-      </pc:sldChg>
-      <pc:sldChg chg="modSp mod">
-        <pc:chgData name="Nikhil Kumar" userId="5f7f483b-4f2c-48dd-a649-a7546b219272" providerId="ADAL" clId="{969810FB-6F2F-4A62-9447-C37C4A0FDA1A}" dt="2023-03-31T07:08:12.435" v="47" actId="1076"/>
-        <pc:sldMkLst>
-          <pc:docMk/>
-          <pc:sldMk cId="3055555033" sldId="259"/>
-        </pc:sldMkLst>
-        <pc:spChg chg="mod">
-          <ac:chgData name="Nikhil Kumar" userId="5f7f483b-4f2c-48dd-a649-a7546b219272" providerId="ADAL" clId="{969810FB-6F2F-4A62-9447-C37C4A0FDA1A}" dt="2023-03-31T07:08:12.435" v="47" actId="1076"/>
-          <ac:spMkLst>
-            <pc:docMk/>
-            <pc:sldMk cId="3055555033" sldId="259"/>
-            <ac:spMk id="2" creationId="{93361244-FDC6-FAE5-65A5-44E396E15517}"/>
-          </ac:spMkLst>
-        </pc:spChg>
-        <pc:picChg chg="mod">
-          <ac:chgData name="Nikhil Kumar" userId="5f7f483b-4f2c-48dd-a649-a7546b219272" providerId="ADAL" clId="{969810FB-6F2F-4A62-9447-C37C4A0FDA1A}" dt="2023-03-31T07:08:07.964" v="46" actId="1076"/>
-          <ac:picMkLst>
-            <pc:docMk/>
-            <pc:sldMk cId="3055555033" sldId="259"/>
-            <ac:picMk id="7" creationId="{F72B8B48-6192-EC03-7AA9-7B30D0946628}"/>
-          </ac:picMkLst>
-        </pc:picChg>
-      </pc:sldChg>
-      <pc:sldChg chg="modSp mod">
-        <pc:chgData name="Nikhil Kumar" userId="5f7f483b-4f2c-48dd-a649-a7546b219272" providerId="ADAL" clId="{969810FB-6F2F-4A62-9447-C37C4A0FDA1A}" dt="2023-03-31T07:08:21.503" v="49" actId="1076"/>
-        <pc:sldMkLst>
-          <pc:docMk/>
-          <pc:sldMk cId="3065581654" sldId="260"/>
-        </pc:sldMkLst>
-        <pc:spChg chg="mod">
-          <ac:chgData name="Nikhil Kumar" userId="5f7f483b-4f2c-48dd-a649-a7546b219272" providerId="ADAL" clId="{969810FB-6F2F-4A62-9447-C37C4A0FDA1A}" dt="2023-03-31T07:08:18.378" v="48" actId="1076"/>
-          <ac:spMkLst>
-            <pc:docMk/>
-            <pc:sldMk cId="3065581654" sldId="260"/>
-            <ac:spMk id="2" creationId="{7CFB395E-0CC2-4088-34EE-6247B09C615D}"/>
-          </ac:spMkLst>
-        </pc:spChg>
-        <pc:picChg chg="mod">
-          <ac:chgData name="Nikhil Kumar" userId="5f7f483b-4f2c-48dd-a649-a7546b219272" providerId="ADAL" clId="{969810FB-6F2F-4A62-9447-C37C4A0FDA1A}" dt="2023-03-31T07:08:21.503" v="49" actId="1076"/>
-          <ac:picMkLst>
-            <pc:docMk/>
-            <pc:sldMk cId="3065581654" sldId="260"/>
-            <ac:picMk id="5" creationId="{C77CCE1D-1CCD-1F73-2364-E021BDC9AB91}"/>
-          </ac:picMkLst>
-        </pc:picChg>
-      </pc:sldChg>
-      <pc:sldChg chg="modSp new mod">
-        <pc:chgData name="Nikhil Kumar" userId="5f7f483b-4f2c-48dd-a649-a7546b219272" providerId="ADAL" clId="{969810FB-6F2F-4A62-9447-C37C4A0FDA1A}" dt="2023-03-31T07:06:09.287" v="26" actId="27636"/>
-        <pc:sldMkLst>
-          <pc:docMk/>
-          <pc:sldMk cId="3178400167" sldId="261"/>
-        </pc:sldMkLst>
-        <pc:spChg chg="mod">
-          <ac:chgData name="Nikhil Kumar" userId="5f7f483b-4f2c-48dd-a649-a7546b219272" providerId="ADAL" clId="{969810FB-6F2F-4A62-9447-C37C4A0FDA1A}" dt="2023-03-31T07:06:09.104" v="24"/>
-          <ac:spMkLst>
-            <pc:docMk/>
-            <pc:sldMk cId="3178400167" sldId="261"/>
-            <ac:spMk id="2" creationId="{27572F1D-D9D1-7DA2-3F0B-A12E6DEEDA63}"/>
-          </ac:spMkLst>
-        </pc:spChg>
-        <pc:spChg chg="mod">
-          <ac:chgData name="Nikhil Kumar" userId="5f7f483b-4f2c-48dd-a649-a7546b219272" providerId="ADAL" clId="{969810FB-6F2F-4A62-9447-C37C4A0FDA1A}" dt="2023-03-31T07:06:09.287" v="26" actId="27636"/>
-          <ac:spMkLst>
-            <pc:docMk/>
-            <pc:sldMk cId="3178400167" sldId="261"/>
-            <ac:spMk id="3" creationId="{62ADC358-A3C2-518C-F549-70266624C7ED}"/>
-          </ac:spMkLst>
-        </pc:spChg>
-      </pc:sldChg>
-    </pc:docChg>
-  </pc:docChgLst>
-</pc:chgInfo>
 </file>
 
 <file path=ppt/slideLayouts/slideLayout1.xml><?xml version="1.0" encoding="utf-8"?>
@@ -8085,18 +7933,15 @@
           <a:p>
             <a:r>
               <a:rPr lang="en-US" sz="2500" b="1" dirty="0"/>
-              <a:t>Falak Chhabra(Testing and DB)</a:t>
+              <a:t>Falak Chhabra(Testing)</a:t>
             </a:r>
           </a:p>
           <a:p>
             <a:r>
               <a:rPr lang="en-US" sz="2500" b="1" dirty="0"/>
-              <a:t>Abhijeet Rajput(Backend and Testing</a:t>
-            </a:r>
-            <a:r>
-              <a:rPr lang="en-US" dirty="0"/>
-              <a:t>)</a:t>
-            </a:r>
+              <a:t>Abhijeet Rajput(Backend)</a:t>
+            </a:r>
+            <a:endParaRPr lang="en-US" dirty="0"/>
           </a:p>
           <a:p>
             <a:endParaRPr lang="en-US" dirty="0"/>

--- a/Presentation Documents/Leave Management System Presentation.pptx
+++ b/Presentation Documents/Leave Management System Presentation.pptx
@@ -120,9 +120,452 @@
 <file path=ppt/revisionInfo.xml><?xml version="1.0" encoding="utf-8"?>
 <p1510:revInfo xmlns:a="http://schemas.openxmlformats.org/drawingml/2006/main" xmlns:r="http://schemas.openxmlformats.org/officeDocument/2006/relationships" xmlns:p1510="http://schemas.microsoft.com/office/powerpoint/2015/10/main">
   <p1510:revLst>
-    <p1510:client id="{969810FB-6F2F-4A62-9447-C37C4A0FDA1A}" v="2" dt="2023-03-31T07:08:00.266"/>
+    <p1510:client id="{969810FB-6F2F-4A62-9447-C37C4A0FDA1A}" v="6" dt="2023-03-31T10:26:21.962"/>
   </p1510:revLst>
 </p1510:revInfo>
+</file>
+
+<file path=ppt/changesInfos/changesInfo1.xml><?xml version="1.0" encoding="utf-8"?>
+<pc:chgInfo xmlns:a="http://schemas.openxmlformats.org/drawingml/2006/main" xmlns:r="http://schemas.openxmlformats.org/officeDocument/2006/relationships" xmlns:ac="http://schemas.microsoft.com/office/drawing/2013/main/command" xmlns:pc="http://schemas.microsoft.com/office/powerpoint/2013/main/command">
+  <pc:docChgLst>
+    <pc:chgData name="Nikhil Kumar" userId="5f7f483b-4f2c-48dd-a649-a7546b219272" providerId="ADAL" clId="{969810FB-6F2F-4A62-9447-C37C4A0FDA1A}"/>
+    <pc:docChg chg="undo custSel addSld modSld">
+      <pc:chgData name="Nikhil Kumar" userId="5f7f483b-4f2c-48dd-a649-a7546b219272" providerId="ADAL" clId="{969810FB-6F2F-4A62-9447-C37C4A0FDA1A}" dt="2023-03-31T10:26:52.007" v="99" actId="9405"/>
+      <pc:docMkLst>
+        <pc:docMk/>
+      </pc:docMkLst>
+      <pc:sldChg chg="modSp mod">
+        <pc:chgData name="Nikhil Kumar" userId="5f7f483b-4f2c-48dd-a649-a7546b219272" providerId="ADAL" clId="{969810FB-6F2F-4A62-9447-C37C4A0FDA1A}" dt="2023-03-31T09:39:53.184" v="72" actId="20577"/>
+        <pc:sldMkLst>
+          <pc:docMk/>
+          <pc:sldMk cId="3252393747" sldId="256"/>
+        </pc:sldMkLst>
+        <pc:spChg chg="mod">
+          <ac:chgData name="Nikhil Kumar" userId="5f7f483b-4f2c-48dd-a649-a7546b219272" providerId="ADAL" clId="{969810FB-6F2F-4A62-9447-C37C4A0FDA1A}" dt="2023-03-31T07:07:10.250" v="33" actId="1076"/>
+          <ac:spMkLst>
+            <pc:docMk/>
+            <pc:sldMk cId="3252393747" sldId="256"/>
+            <ac:spMk id="2" creationId="{4AD0B4C4-DBB6-D9A4-99E7-148188ACA6B2}"/>
+          </ac:spMkLst>
+        </pc:spChg>
+        <pc:spChg chg="mod">
+          <ac:chgData name="Nikhil Kumar" userId="5f7f483b-4f2c-48dd-a649-a7546b219272" providerId="ADAL" clId="{969810FB-6F2F-4A62-9447-C37C4A0FDA1A}" dt="2023-03-31T09:39:53.184" v="72" actId="20577"/>
+          <ac:spMkLst>
+            <pc:docMk/>
+            <pc:sldMk cId="3252393747" sldId="256"/>
+            <ac:spMk id="3" creationId="{0328830E-A32D-90F2-23DD-EC2D64522A31}"/>
+          </ac:spMkLst>
+        </pc:spChg>
+        <pc:spChg chg="mod">
+          <ac:chgData name="Nikhil Kumar" userId="5f7f483b-4f2c-48dd-a649-a7546b219272" providerId="ADAL" clId="{969810FB-6F2F-4A62-9447-C37C4A0FDA1A}" dt="2023-03-31T07:07:39.585" v="37" actId="1076"/>
+          <ac:spMkLst>
+            <pc:docMk/>
+            <pc:sldMk cId="3252393747" sldId="256"/>
+            <ac:spMk id="4" creationId="{07B83D18-D202-09D3-2E54-995A473EC0E2}"/>
+          </ac:spMkLst>
+        </pc:spChg>
+      </pc:sldChg>
+      <pc:sldChg chg="modSp mod">
+        <pc:chgData name="Nikhil Kumar" userId="5f7f483b-4f2c-48dd-a649-a7546b219272" providerId="ADAL" clId="{969810FB-6F2F-4A62-9447-C37C4A0FDA1A}" dt="2023-03-31T07:06:20.327" v="27" actId="1076"/>
+        <pc:sldMkLst>
+          <pc:docMk/>
+          <pc:sldMk cId="3632099954" sldId="257"/>
+        </pc:sldMkLst>
+        <pc:spChg chg="mod">
+          <ac:chgData name="Nikhil Kumar" userId="5f7f483b-4f2c-48dd-a649-a7546b219272" providerId="ADAL" clId="{969810FB-6F2F-4A62-9447-C37C4A0FDA1A}" dt="2023-03-31T07:06:20.327" v="27" actId="1076"/>
+          <ac:spMkLst>
+            <pc:docMk/>
+            <pc:sldMk cId="3632099954" sldId="257"/>
+            <ac:spMk id="2" creationId="{5C816246-0F2B-2118-E706-FFA92FC8C742}"/>
+          </ac:spMkLst>
+        </pc:spChg>
+      </pc:sldChg>
+      <pc:sldChg chg="addSp delSp modSp mod">
+        <pc:chgData name="Nikhil Kumar" userId="5f7f483b-4f2c-48dd-a649-a7546b219272" providerId="ADAL" clId="{969810FB-6F2F-4A62-9447-C37C4A0FDA1A}" dt="2023-03-31T10:26:52.007" v="99" actId="9405"/>
+        <pc:sldMkLst>
+          <pc:docMk/>
+          <pc:sldMk cId="1866496812" sldId="258"/>
+        </pc:sldMkLst>
+        <pc:spChg chg="mod">
+          <ac:chgData name="Nikhil Kumar" userId="5f7f483b-4f2c-48dd-a649-a7546b219272" providerId="ADAL" clId="{969810FB-6F2F-4A62-9447-C37C4A0FDA1A}" dt="2023-03-31T07:08:03.840" v="45" actId="1076"/>
+          <ac:spMkLst>
+            <pc:docMk/>
+            <pc:sldMk cId="1866496812" sldId="258"/>
+            <ac:spMk id="2" creationId="{008F255C-1CC0-BA3C-7088-312CDC56016D}"/>
+          </ac:spMkLst>
+        </pc:spChg>
+        <pc:grpChg chg="mod">
+          <ac:chgData name="Nikhil Kumar" userId="5f7f483b-4f2c-48dd-a649-a7546b219272" providerId="ADAL" clId="{969810FB-6F2F-4A62-9447-C37C4A0FDA1A}" dt="2023-03-31T10:26:19.856" v="87"/>
+          <ac:grpSpMkLst>
+            <pc:docMk/>
+            <pc:sldMk cId="1866496812" sldId="258"/>
+            <ac:grpSpMk id="9" creationId="{D10045BA-B92B-F9AA-6256-8FE57564BE64}"/>
+          </ac:grpSpMkLst>
+        </pc:grpChg>
+        <pc:grpChg chg="mod">
+          <ac:chgData name="Nikhil Kumar" userId="5f7f483b-4f2c-48dd-a649-a7546b219272" providerId="ADAL" clId="{969810FB-6F2F-4A62-9447-C37C4A0FDA1A}" dt="2023-03-31T10:26:21.962" v="92"/>
+          <ac:grpSpMkLst>
+            <pc:docMk/>
+            <pc:sldMk cId="1866496812" sldId="258"/>
+            <ac:grpSpMk id="12" creationId="{42739745-BF6A-7E0F-23A0-5D9673A7DCD1}"/>
+          </ac:grpSpMkLst>
+        </pc:grpChg>
+        <pc:picChg chg="mod">
+          <ac:chgData name="Nikhil Kumar" userId="5f7f483b-4f2c-48dd-a649-a7546b219272" providerId="ADAL" clId="{969810FB-6F2F-4A62-9447-C37C4A0FDA1A}" dt="2023-03-31T07:08:00.266" v="44" actId="1076"/>
+          <ac:picMkLst>
+            <pc:docMk/>
+            <pc:sldMk cId="1866496812" sldId="258"/>
+            <ac:picMk id="1026" creationId="{B90E106C-E69A-0E3A-1A0C-31CB45EA0620}"/>
+          </ac:picMkLst>
+        </pc:picChg>
+        <pc:inkChg chg="add del">
+          <ac:chgData name="Nikhil Kumar" userId="5f7f483b-4f2c-48dd-a649-a7546b219272" providerId="ADAL" clId="{969810FB-6F2F-4A62-9447-C37C4A0FDA1A}" dt="2023-03-31T10:26:03.229" v="80" actId="9405"/>
+          <ac:inkMkLst>
+            <pc:docMk/>
+            <pc:sldMk cId="1866496812" sldId="258"/>
+            <ac:inkMk id="3" creationId="{F0F6D53A-075A-DDD0-20F6-BD2239148E68}"/>
+          </ac:inkMkLst>
+        </pc:inkChg>
+        <pc:inkChg chg="add del">
+          <ac:chgData name="Nikhil Kumar" userId="5f7f483b-4f2c-48dd-a649-a7546b219272" providerId="ADAL" clId="{969810FB-6F2F-4A62-9447-C37C4A0FDA1A}" dt="2023-03-31T10:26:09.602" v="82" actId="9405"/>
+          <ac:inkMkLst>
+            <pc:docMk/>
+            <pc:sldMk cId="1866496812" sldId="258"/>
+            <ac:inkMk id="4" creationId="{BBABB6EB-6580-4150-AFA2-764577A404EC}"/>
+          </ac:inkMkLst>
+        </pc:inkChg>
+        <pc:inkChg chg="add">
+          <ac:chgData name="Nikhil Kumar" userId="5f7f483b-4f2c-48dd-a649-a7546b219272" providerId="ADAL" clId="{969810FB-6F2F-4A62-9447-C37C4A0FDA1A}" dt="2023-03-31T10:26:11.577" v="83" actId="9405"/>
+          <ac:inkMkLst>
+            <pc:docMk/>
+            <pc:sldMk cId="1866496812" sldId="258"/>
+            <ac:inkMk id="5" creationId="{8656A50F-A037-4305-B659-2FC332FC06BC}"/>
+          </ac:inkMkLst>
+        </pc:inkChg>
+        <pc:inkChg chg="add">
+          <ac:chgData name="Nikhil Kumar" userId="5f7f483b-4f2c-48dd-a649-a7546b219272" providerId="ADAL" clId="{969810FB-6F2F-4A62-9447-C37C4A0FDA1A}" dt="2023-03-31T10:26:12.440" v="84" actId="9405"/>
+          <ac:inkMkLst>
+            <pc:docMk/>
+            <pc:sldMk cId="1866496812" sldId="258"/>
+            <ac:inkMk id="6" creationId="{C32D1D93-FEAC-9490-AE01-B7C14EBADB00}"/>
+          </ac:inkMkLst>
+        </pc:inkChg>
+        <pc:inkChg chg="add mod">
+          <ac:chgData name="Nikhil Kumar" userId="5f7f483b-4f2c-48dd-a649-a7546b219272" providerId="ADAL" clId="{969810FB-6F2F-4A62-9447-C37C4A0FDA1A}" dt="2023-03-31T10:26:19.856" v="87"/>
+          <ac:inkMkLst>
+            <pc:docMk/>
+            <pc:sldMk cId="1866496812" sldId="258"/>
+            <ac:inkMk id="7" creationId="{825D45DB-BBA6-0746-CBF2-148107E5BB4E}"/>
+          </ac:inkMkLst>
+        </pc:inkChg>
+        <pc:inkChg chg="add mod">
+          <ac:chgData name="Nikhil Kumar" userId="5f7f483b-4f2c-48dd-a649-a7546b219272" providerId="ADAL" clId="{969810FB-6F2F-4A62-9447-C37C4A0FDA1A}" dt="2023-03-31T10:26:19.856" v="87"/>
+          <ac:inkMkLst>
+            <pc:docMk/>
+            <pc:sldMk cId="1866496812" sldId="258"/>
+            <ac:inkMk id="8" creationId="{832E38D7-E849-D2CF-3DA7-4F28767F74B0}"/>
+          </ac:inkMkLst>
+        </pc:inkChg>
+        <pc:inkChg chg="add mod">
+          <ac:chgData name="Nikhil Kumar" userId="5f7f483b-4f2c-48dd-a649-a7546b219272" providerId="ADAL" clId="{969810FB-6F2F-4A62-9447-C37C4A0FDA1A}" dt="2023-03-31T10:26:21.962" v="92"/>
+          <ac:inkMkLst>
+            <pc:docMk/>
+            <pc:sldMk cId="1866496812" sldId="258"/>
+            <ac:inkMk id="10" creationId="{818BB602-AB3B-C176-373E-1929EF25920B}"/>
+          </ac:inkMkLst>
+        </pc:inkChg>
+        <pc:inkChg chg="add del mod">
+          <ac:chgData name="Nikhil Kumar" userId="5f7f483b-4f2c-48dd-a649-a7546b219272" providerId="ADAL" clId="{969810FB-6F2F-4A62-9447-C37C4A0FDA1A}" dt="2023-03-31T10:26:21.962" v="92"/>
+          <ac:inkMkLst>
+            <pc:docMk/>
+            <pc:sldMk cId="1866496812" sldId="258"/>
+            <ac:inkMk id="11" creationId="{01B2B587-A538-9F9E-EB3D-8D4CB72C8012}"/>
+          </ac:inkMkLst>
+        </pc:inkChg>
+        <pc:inkChg chg="add del">
+          <ac:chgData name="Nikhil Kumar" userId="5f7f483b-4f2c-48dd-a649-a7546b219272" providerId="ADAL" clId="{969810FB-6F2F-4A62-9447-C37C4A0FDA1A}" dt="2023-03-31T10:26:40.659" v="96" actId="9405"/>
+          <ac:inkMkLst>
+            <pc:docMk/>
+            <pc:sldMk cId="1866496812" sldId="258"/>
+            <ac:inkMk id="13" creationId="{00847F4A-1A5C-C130-4E86-9D894E574CFE}"/>
+          </ac:inkMkLst>
+        </pc:inkChg>
+        <pc:inkChg chg="add del">
+          <ac:chgData name="Nikhil Kumar" userId="5f7f483b-4f2c-48dd-a649-a7546b219272" providerId="ADAL" clId="{969810FB-6F2F-4A62-9447-C37C4A0FDA1A}" dt="2023-03-31T10:26:40.110" v="95" actId="9405"/>
+          <ac:inkMkLst>
+            <pc:docMk/>
+            <pc:sldMk cId="1866496812" sldId="258"/>
+            <ac:inkMk id="14" creationId="{7D09E0B3-DD4C-928E-264E-10D98C99EBC0}"/>
+          </ac:inkMkLst>
+        </pc:inkChg>
+        <pc:inkChg chg="add del">
+          <ac:chgData name="Nikhil Kumar" userId="5f7f483b-4f2c-48dd-a649-a7546b219272" providerId="ADAL" clId="{969810FB-6F2F-4A62-9447-C37C4A0FDA1A}" dt="2023-03-31T10:26:44.588" v="98" actId="9405"/>
+          <ac:inkMkLst>
+            <pc:docMk/>
+            <pc:sldMk cId="1866496812" sldId="258"/>
+            <ac:inkMk id="15" creationId="{A70020FA-22EF-97D8-6346-637519D8610C}"/>
+          </ac:inkMkLst>
+        </pc:inkChg>
+        <pc:inkChg chg="add">
+          <ac:chgData name="Nikhil Kumar" userId="5f7f483b-4f2c-48dd-a649-a7546b219272" providerId="ADAL" clId="{969810FB-6F2F-4A62-9447-C37C4A0FDA1A}" dt="2023-03-31T10:26:52.007" v="99" actId="9405"/>
+          <ac:inkMkLst>
+            <pc:docMk/>
+            <pc:sldMk cId="1866496812" sldId="258"/>
+            <ac:inkMk id="16" creationId="{5BD46CD9-A7F0-F648-4968-AC7F74496C4E}"/>
+          </ac:inkMkLst>
+        </pc:inkChg>
+      </pc:sldChg>
+      <pc:sldChg chg="addSp delSp modSp mod">
+        <pc:chgData name="Nikhil Kumar" userId="5f7f483b-4f2c-48dd-a649-a7546b219272" providerId="ADAL" clId="{969810FB-6F2F-4A62-9447-C37C4A0FDA1A}" dt="2023-03-31T10:21:52.439" v="78" actId="14100"/>
+        <pc:sldMkLst>
+          <pc:docMk/>
+          <pc:sldMk cId="3055555033" sldId="259"/>
+        </pc:sldMkLst>
+        <pc:spChg chg="mod">
+          <ac:chgData name="Nikhil Kumar" userId="5f7f483b-4f2c-48dd-a649-a7546b219272" providerId="ADAL" clId="{969810FB-6F2F-4A62-9447-C37C4A0FDA1A}" dt="2023-03-31T07:08:12.435" v="47" actId="1076"/>
+          <ac:spMkLst>
+            <pc:docMk/>
+            <pc:sldMk cId="3055555033" sldId="259"/>
+            <ac:spMk id="2" creationId="{93361244-FDC6-FAE5-65A5-44E396E15517}"/>
+          </ac:spMkLst>
+        </pc:spChg>
+        <pc:spChg chg="add del mod">
+          <ac:chgData name="Nikhil Kumar" userId="5f7f483b-4f2c-48dd-a649-a7546b219272" providerId="ADAL" clId="{969810FB-6F2F-4A62-9447-C37C4A0FDA1A}" dt="2023-03-31T10:21:47.943" v="74" actId="931"/>
+          <ac:spMkLst>
+            <pc:docMk/>
+            <pc:sldMk cId="3055555033" sldId="259"/>
+            <ac:spMk id="4" creationId="{BC1E79AA-AB41-6A65-E5DF-AEA70B3422D4}"/>
+          </ac:spMkLst>
+        </pc:spChg>
+        <pc:picChg chg="add mod">
+          <ac:chgData name="Nikhil Kumar" userId="5f7f483b-4f2c-48dd-a649-a7546b219272" providerId="ADAL" clId="{969810FB-6F2F-4A62-9447-C37C4A0FDA1A}" dt="2023-03-31T10:21:52.439" v="78" actId="14100"/>
+          <ac:picMkLst>
+            <pc:docMk/>
+            <pc:sldMk cId="3055555033" sldId="259"/>
+            <ac:picMk id="6" creationId="{237B5842-EB65-CC96-9AA7-AC48022EA34F}"/>
+          </ac:picMkLst>
+        </pc:picChg>
+        <pc:picChg chg="del mod">
+          <ac:chgData name="Nikhil Kumar" userId="5f7f483b-4f2c-48dd-a649-a7546b219272" providerId="ADAL" clId="{969810FB-6F2F-4A62-9447-C37C4A0FDA1A}" dt="2023-03-31T10:21:29.290" v="73" actId="478"/>
+          <ac:picMkLst>
+            <pc:docMk/>
+            <pc:sldMk cId="3055555033" sldId="259"/>
+            <ac:picMk id="7" creationId="{F72B8B48-6192-EC03-7AA9-7B30D0946628}"/>
+          </ac:picMkLst>
+        </pc:picChg>
+      </pc:sldChg>
+      <pc:sldChg chg="modSp mod">
+        <pc:chgData name="Nikhil Kumar" userId="5f7f483b-4f2c-48dd-a649-a7546b219272" providerId="ADAL" clId="{969810FB-6F2F-4A62-9447-C37C4A0FDA1A}" dt="2023-03-31T07:08:21.503" v="49" actId="1076"/>
+        <pc:sldMkLst>
+          <pc:docMk/>
+          <pc:sldMk cId="3065581654" sldId="260"/>
+        </pc:sldMkLst>
+        <pc:spChg chg="mod">
+          <ac:chgData name="Nikhil Kumar" userId="5f7f483b-4f2c-48dd-a649-a7546b219272" providerId="ADAL" clId="{969810FB-6F2F-4A62-9447-C37C4A0FDA1A}" dt="2023-03-31T07:08:18.378" v="48" actId="1076"/>
+          <ac:spMkLst>
+            <pc:docMk/>
+            <pc:sldMk cId="3065581654" sldId="260"/>
+            <ac:spMk id="2" creationId="{7CFB395E-0CC2-4088-34EE-6247B09C615D}"/>
+          </ac:spMkLst>
+        </pc:spChg>
+        <pc:picChg chg="mod">
+          <ac:chgData name="Nikhil Kumar" userId="5f7f483b-4f2c-48dd-a649-a7546b219272" providerId="ADAL" clId="{969810FB-6F2F-4A62-9447-C37C4A0FDA1A}" dt="2023-03-31T07:08:21.503" v="49" actId="1076"/>
+          <ac:picMkLst>
+            <pc:docMk/>
+            <pc:sldMk cId="3065581654" sldId="260"/>
+            <ac:picMk id="5" creationId="{C77CCE1D-1CCD-1F73-2364-E021BDC9AB91}"/>
+          </ac:picMkLst>
+        </pc:picChg>
+      </pc:sldChg>
+      <pc:sldChg chg="modSp new mod">
+        <pc:chgData name="Nikhil Kumar" userId="5f7f483b-4f2c-48dd-a649-a7546b219272" providerId="ADAL" clId="{969810FB-6F2F-4A62-9447-C37C4A0FDA1A}" dt="2023-03-31T07:06:09.287" v="26" actId="27636"/>
+        <pc:sldMkLst>
+          <pc:docMk/>
+          <pc:sldMk cId="3178400167" sldId="261"/>
+        </pc:sldMkLst>
+        <pc:spChg chg="mod">
+          <ac:chgData name="Nikhil Kumar" userId="5f7f483b-4f2c-48dd-a649-a7546b219272" providerId="ADAL" clId="{969810FB-6F2F-4A62-9447-C37C4A0FDA1A}" dt="2023-03-31T07:06:09.104" v="24"/>
+          <ac:spMkLst>
+            <pc:docMk/>
+            <pc:sldMk cId="3178400167" sldId="261"/>
+            <ac:spMk id="2" creationId="{27572F1D-D9D1-7DA2-3F0B-A12E6DEEDA63}"/>
+          </ac:spMkLst>
+        </pc:spChg>
+        <pc:spChg chg="mod">
+          <ac:chgData name="Nikhil Kumar" userId="5f7f483b-4f2c-48dd-a649-a7546b219272" providerId="ADAL" clId="{969810FB-6F2F-4A62-9447-C37C4A0FDA1A}" dt="2023-03-31T07:06:09.287" v="26" actId="27636"/>
+          <ac:spMkLst>
+            <pc:docMk/>
+            <pc:sldMk cId="3178400167" sldId="261"/>
+            <ac:spMk id="3" creationId="{62ADC358-A3C2-518C-F549-70266624C7ED}"/>
+          </ac:spMkLst>
+        </pc:spChg>
+      </pc:sldChg>
+    </pc:docChg>
+  </pc:docChgLst>
+</pc:chgInfo>
+</file>
+
+<file path=ppt/ink/ink1.xml><?xml version="1.0" encoding="utf-8"?>
+<inkml:ink xmlns:inkml="http://www.w3.org/2003/InkML">
+  <inkml:definitions>
+    <inkml:context xml:id="ctx0">
+      <inkml:inkSource xml:id="inkSrc0">
+        <inkml:traceFormat>
+          <inkml:channel name="X" type="integer" min="-2.14748E9" max="2.14748E9" units="cm"/>
+          <inkml:channel name="Y" type="integer" min="-2.14748E9" max="2.14748E9" units="cm"/>
+          <inkml:channel name="F" type="integer" max="32767" units="dev"/>
+        </inkml:traceFormat>
+        <inkml:channelProperties>
+          <inkml:channelProperty channel="X" name="resolution" value="1000" units="1/cm"/>
+          <inkml:channelProperty channel="Y" name="resolution" value="1000" units="1/cm"/>
+          <inkml:channelProperty channel="F" name="resolution" value="0" units="1/dev"/>
+        </inkml:channelProperties>
+      </inkml:inkSource>
+      <inkml:timestamp xml:id="ts0" timeString="2023-03-31T10:26:11.577"/>
+    </inkml:context>
+    <inkml:brush xml:id="br0">
+      <inkml:brushProperty name="width" value="0.05" units="cm"/>
+      <inkml:brushProperty name="height" value="0.05" units="cm"/>
+    </inkml:brush>
+  </inkml:definitions>
+  <inkml:trace contextRef="#ctx0" brushRef="#br0">0 1 24575</inkml:trace>
+</inkml:ink>
+</file>
+
+<file path=ppt/ink/ink2.xml><?xml version="1.0" encoding="utf-8"?>
+<inkml:ink xmlns:inkml="http://www.w3.org/2003/InkML">
+  <inkml:definitions>
+    <inkml:context xml:id="ctx0">
+      <inkml:inkSource xml:id="inkSrc0">
+        <inkml:traceFormat>
+          <inkml:channel name="X" type="integer" min="-2.14748E9" max="2.14748E9" units="cm"/>
+          <inkml:channel name="Y" type="integer" min="-2.14748E9" max="2.14748E9" units="cm"/>
+          <inkml:channel name="F" type="integer" max="32767" units="dev"/>
+        </inkml:traceFormat>
+        <inkml:channelProperties>
+          <inkml:channelProperty channel="X" name="resolution" value="1000" units="1/cm"/>
+          <inkml:channelProperty channel="Y" name="resolution" value="1000" units="1/cm"/>
+          <inkml:channelProperty channel="F" name="resolution" value="0" units="1/dev"/>
+        </inkml:channelProperties>
+      </inkml:inkSource>
+      <inkml:timestamp xml:id="ts0" timeString="2023-03-31T10:26:12.440"/>
+    </inkml:context>
+    <inkml:brush xml:id="br0">
+      <inkml:brushProperty name="width" value="0.05" units="cm"/>
+      <inkml:brushProperty name="height" value="0.05" units="cm"/>
+    </inkml:brush>
+  </inkml:definitions>
+  <inkml:trace contextRef="#ctx0" brushRef="#br0">1 0 24575</inkml:trace>
+</inkml:ink>
+</file>
+
+<file path=ppt/ink/ink3.xml><?xml version="1.0" encoding="utf-8"?>
+<inkml:ink xmlns:inkml="http://www.w3.org/2003/InkML">
+  <inkml:definitions>
+    <inkml:context xml:id="ctx0">
+      <inkml:inkSource xml:id="inkSrc0">
+        <inkml:traceFormat>
+          <inkml:channel name="X" type="integer" min="-2.14748E9" max="2.14748E9" units="cm"/>
+          <inkml:channel name="Y" type="integer" min="-2.14748E9" max="2.14748E9" units="cm"/>
+          <inkml:channel name="F" type="integer" max="32767" units="dev"/>
+        </inkml:traceFormat>
+        <inkml:channelProperties>
+          <inkml:channelProperty channel="X" name="resolution" value="1000" units="1/cm"/>
+          <inkml:channelProperty channel="Y" name="resolution" value="1000" units="1/cm"/>
+          <inkml:channelProperty channel="F" name="resolution" value="0" units="1/dev"/>
+        </inkml:channelProperties>
+      </inkml:inkSource>
+      <inkml:timestamp xml:id="ts0" timeString="2023-03-31T10:26:18.215"/>
+    </inkml:context>
+    <inkml:brush xml:id="br0">
+      <inkml:brushProperty name="width" value="0.05" units="cm"/>
+      <inkml:brushProperty name="height" value="0.05" units="cm"/>
+    </inkml:brush>
+  </inkml:definitions>
+  <inkml:trace contextRef="#ctx0" brushRef="#br0">1 0 24575</inkml:trace>
+</inkml:ink>
+</file>
+
+<file path=ppt/ink/ink4.xml><?xml version="1.0" encoding="utf-8"?>
+<inkml:ink xmlns:inkml="http://www.w3.org/2003/InkML">
+  <inkml:definitions>
+    <inkml:context xml:id="ctx0">
+      <inkml:inkSource xml:id="inkSrc0">
+        <inkml:traceFormat>
+          <inkml:channel name="X" type="integer" min="-2.14748E9" max="2.14748E9" units="cm"/>
+          <inkml:channel name="Y" type="integer" min="-2.14748E9" max="2.14748E9" units="cm"/>
+          <inkml:channel name="F" type="integer" max="32767" units="dev"/>
+        </inkml:traceFormat>
+        <inkml:channelProperties>
+          <inkml:channelProperty channel="X" name="resolution" value="1000" units="1/cm"/>
+          <inkml:channelProperty channel="Y" name="resolution" value="1000" units="1/cm"/>
+          <inkml:channelProperty channel="F" name="resolution" value="0" units="1/dev"/>
+        </inkml:channelProperties>
+      </inkml:inkSource>
+      <inkml:timestamp xml:id="ts0" timeString="2023-03-31T10:26:18.925"/>
+    </inkml:context>
+    <inkml:brush xml:id="br0">
+      <inkml:brushProperty name="width" value="0.05" units="cm"/>
+      <inkml:brushProperty name="height" value="0.05" units="cm"/>
+    </inkml:brush>
+  </inkml:definitions>
+  <inkml:trace contextRef="#ctx0" brushRef="#br0">1 0 24575</inkml:trace>
+</inkml:ink>
+</file>
+
+<file path=ppt/ink/ink5.xml><?xml version="1.0" encoding="utf-8"?>
+<inkml:ink xmlns:inkml="http://www.w3.org/2003/InkML">
+  <inkml:definitions>
+    <inkml:context xml:id="ctx0">
+      <inkml:inkSource xml:id="inkSrc0">
+        <inkml:traceFormat>
+          <inkml:channel name="X" type="integer" min="-2.14748E9" max="2.14748E9" units="cm"/>
+          <inkml:channel name="Y" type="integer" min="-2.14748E9" max="2.14748E9" units="cm"/>
+          <inkml:channel name="F" type="integer" max="32767" units="dev"/>
+        </inkml:traceFormat>
+        <inkml:channelProperties>
+          <inkml:channelProperty channel="X" name="resolution" value="1000" units="1/cm"/>
+          <inkml:channelProperty channel="Y" name="resolution" value="1000" units="1/cm"/>
+          <inkml:channelProperty channel="F" name="resolution" value="0" units="1/dev"/>
+        </inkml:channelProperties>
+      </inkml:inkSource>
+      <inkml:timestamp xml:id="ts0" timeString="2023-03-31T10:26:20.076"/>
+    </inkml:context>
+    <inkml:brush xml:id="br0">
+      <inkml:brushProperty name="width" value="0.05" units="cm"/>
+      <inkml:brushProperty name="height" value="0.05" units="cm"/>
+    </inkml:brush>
+  </inkml:definitions>
+  <inkml:trace contextRef="#ctx0" brushRef="#br0">1 0 24575</inkml:trace>
+</inkml:ink>
+</file>
+
+<file path=ppt/ink/ink6.xml><?xml version="1.0" encoding="utf-8"?>
+<inkml:ink xmlns:inkml="http://www.w3.org/2003/InkML">
+  <inkml:definitions>
+    <inkml:context xml:id="ctx0">
+      <inkml:inkSource xml:id="inkSrc0">
+        <inkml:traceFormat>
+          <inkml:channel name="X" type="integer" min="-2.14748E9" max="2.14748E9" units="cm"/>
+          <inkml:channel name="Y" type="integer" min="-2.14748E9" max="2.14748E9" units="cm"/>
+          <inkml:channel name="F" type="integer" max="32767" units="dev"/>
+        </inkml:traceFormat>
+        <inkml:channelProperties>
+          <inkml:channelProperty channel="X" name="resolution" value="1000" units="1/cm"/>
+          <inkml:channelProperty channel="Y" name="resolution" value="1000" units="1/cm"/>
+          <inkml:channelProperty channel="F" name="resolution" value="0" units="1/dev"/>
+        </inkml:channelProperties>
+      </inkml:inkSource>
+      <inkml:timestamp xml:id="ts0" timeString="2023-03-31T10:26:52.007"/>
+    </inkml:context>
+    <inkml:brush xml:id="br0">
+      <inkml:brushProperty name="width" value="0.35" units="cm"/>
+      <inkml:brushProperty name="height" value="0.35" units="cm"/>
+      <inkml:brushProperty name="color" value="#FFFFFF"/>
+    </inkml:brush>
+  </inkml:definitions>
+  <inkml:trace contextRef="#ctx0" brushRef="#br0">2322 144 24575,'-528'0'0,"472"-2"0,-57-11 0,-53-2 0,98 16 0,26 0 0,1-1 0,-74-11 0,66 3 0,0 3 0,-81 0 0,113 4 0,0 0 0,0-2 0,-24-5 0,21 3 0,-37-4 0,8 8 0,35 1 0,0 0 0,-1-1 0,1 0 0,0-1 0,0 0 0,0-2 0,1 1 0,-25-11 0,26 8 0,-1 1 0,1 1 0,-1 0 0,-1 0 0,1 1 0,0 1 0,-16-1 0,-97 3 0,62 2 0,38-2 0,19-1 0,0 0 0,0 1 0,1 0 0,-1 0 0,0 1 0,0 0 0,0 0 0,0 0 0,1 1 0,-1 0 0,0 1 0,-10 4 0,-24 18 0,29-19 0,1 0 0,-17 13 0,25-17 0,0 1 0,0-1 0,1 1 0,-1 0 0,1 0 0,-1 0 0,1 1 0,0-1 0,0 0 0,0 1 0,1-1 0,-3 7 0,4-9 0,-1 5 0,0 0 0,-1 0 0,0 0 0,0 0 0,-1 0 0,0 0 0,0-1 0,0 1 0,-1-1 0,-6 8 0,10-13 0,-1 1 0,1-1 0,0 0 0,-1 1 0,1-1 0,0 0 0,0 1 0,-1-1 0,1 0 0,0 1 0,0-1 0,-1 0 0,1 1 0,0-1 0,0 1 0,0-1 0,0 1 0,0-1 0,0 0 0,0 1 0,0-1 0,0 1 0,0-1 0,0 1 0,0-1 0,0 1 0,0-1 0,0 0 0,0 1 0,0-1 0,1 1 0,-1-1 0,0 0 0,1 1 0,15 9 0,24-1 0,27-4 0,106-5 0,-67-2 0,-48 3 0,56-2 0,-98 0 0,0-1 0,0 0 0,0-2 0,29-9 0,-20 4 0,0 2 0,1 0 0,0 2 0,0 1 0,28-1 0,135 6 0,-79 1 0,538-2 0,-630 1 0,1 1 0,-1 1 0,19 5 0,-16-4 0,36 5 0,-48-9 0,-1 1 0,1 0 0,-1 1 0,1 0 0,-1 0 0,0 1 0,11 4 0,-17-6 0,-1 0 0,1 0 0,0 0 0,-1 0 0,1 0 0,-1 0 0,1 1 0,-1-1 0,0 0 0,1 1 0,-1-1 0,0 1 0,0 0 0,0-1 0,0 1 0,0 0 0,-1-1 0,1 1 0,0 0 0,-1 0 0,0 0 0,1 0 0,-1-1 0,0 1 0,0 0 0,0 0 0,0 0 0,0 0 0,0 0 0,0 0 0,-1 0 0,1 0 0,-1-1 0,1 1 0,-1 0 0,0 0 0,0-1 0,-1 4 0,-1-1 0,0 0 0,0 0 0,0 0 0,-1 0 0,1 0 0,-1 0 0,0-1 0,0 0 0,0 0 0,0 0 0,-1 0 0,1-1 0,-1 1 0,0-1 0,1-1 0,-1 1 0,0 0 0,0-1 0,0 0 0,-6 0 0,-13 2 0,0-2 0,-1 0 0,-24-3 0,23 1 0,1 1 0,-1 2 0,-46 9 0,42-5 0,-44 1 0,-391-5 0,225-4 0,-211 2-1365</inkml:trace>
+</inkml:ink>
 </file>
 
 <file path=ppt/slideLayouts/slideLayout1.xml><?xml version="1.0" encoding="utf-8"?>
@@ -8100,6 +8543,333 @@
           </a:extLst>
         </p:spPr>
       </p:pic>
+      <mc:AlternateContent xmlns:mc="http://schemas.openxmlformats.org/markup-compatibility/2006">
+        <mc:Choice xmlns:p14="http://schemas.microsoft.com/office/powerpoint/2010/main" Requires="p14">
+          <p:contentPart p14:bwMode="auto" r:id="rId3">
+            <p14:nvContentPartPr>
+              <p14:cNvPr id="5" name="Ink 4">
+                <a:extLst>
+                  <a:ext uri="{FF2B5EF4-FFF2-40B4-BE49-F238E27FC236}">
+                    <a16:creationId xmlns:a16="http://schemas.microsoft.com/office/drawing/2014/main" id="{8656A50F-A037-4305-B659-2FC332FC06BC}"/>
+                  </a:ext>
+                </a:extLst>
+              </p14:cNvPr>
+              <p14:cNvContentPartPr/>
+              <p14:nvPr/>
+            </p14:nvContentPartPr>
+            <p14:xfrm>
+              <a:off x="6756240" y="1929920"/>
+              <a:ext cx="360" cy="360"/>
+            </p14:xfrm>
+          </p:contentPart>
+        </mc:Choice>
+        <mc:Fallback>
+          <p:pic>
+            <p:nvPicPr>
+              <p:cNvPr id="5" name="Ink 4">
+                <a:extLst>
+                  <a:ext uri="{FF2B5EF4-FFF2-40B4-BE49-F238E27FC236}">
+                    <a16:creationId xmlns:a16="http://schemas.microsoft.com/office/drawing/2014/main" id="{8656A50F-A037-4305-B659-2FC332FC06BC}"/>
+                  </a:ext>
+                </a:extLst>
+              </p:cNvPr>
+              <p:cNvPicPr/>
+              <p:nvPr/>
+            </p:nvPicPr>
+            <p:blipFill>
+              <a:blip r:embed="rId4"/>
+              <a:stretch>
+                <a:fillRect/>
+              </a:stretch>
+            </p:blipFill>
+            <p:spPr>
+              <a:xfrm>
+                <a:off x="6747240" y="1921280"/>
+                <a:ext cx="18000" cy="18000"/>
+              </a:xfrm>
+              <a:prstGeom prst="rect">
+                <a:avLst/>
+              </a:prstGeom>
+            </p:spPr>
+          </p:pic>
+        </mc:Fallback>
+      </mc:AlternateContent>
+      <mc:AlternateContent xmlns:mc="http://schemas.openxmlformats.org/markup-compatibility/2006">
+        <mc:Choice xmlns:p14="http://schemas.microsoft.com/office/powerpoint/2010/main" Requires="p14">
+          <p:contentPart p14:bwMode="auto" r:id="rId5">
+            <p14:nvContentPartPr>
+              <p14:cNvPr id="6" name="Ink 5">
+                <a:extLst>
+                  <a:ext uri="{FF2B5EF4-FFF2-40B4-BE49-F238E27FC236}">
+                    <a16:creationId xmlns:a16="http://schemas.microsoft.com/office/drawing/2014/main" id="{C32D1D93-FEAC-9490-AE01-B7C14EBADB00}"/>
+                  </a:ext>
+                </a:extLst>
+              </p14:cNvPr>
+              <p14:cNvContentPartPr/>
+              <p14:nvPr/>
+            </p14:nvContentPartPr>
+            <p14:xfrm>
+              <a:off x="5181240" y="3850520"/>
+              <a:ext cx="360" cy="360"/>
+            </p14:xfrm>
+          </p:contentPart>
+        </mc:Choice>
+        <mc:Fallback>
+          <p:pic>
+            <p:nvPicPr>
+              <p:cNvPr id="6" name="Ink 5">
+                <a:extLst>
+                  <a:ext uri="{FF2B5EF4-FFF2-40B4-BE49-F238E27FC236}">
+                    <a16:creationId xmlns:a16="http://schemas.microsoft.com/office/drawing/2014/main" id="{C32D1D93-FEAC-9490-AE01-B7C14EBADB00}"/>
+                  </a:ext>
+                </a:extLst>
+              </p:cNvPr>
+              <p:cNvPicPr/>
+              <p:nvPr/>
+            </p:nvPicPr>
+            <p:blipFill>
+              <a:blip r:embed="rId4"/>
+              <a:stretch>
+                <a:fillRect/>
+              </a:stretch>
+            </p:blipFill>
+            <p:spPr>
+              <a:xfrm>
+                <a:off x="5172600" y="3841520"/>
+                <a:ext cx="18000" cy="18000"/>
+              </a:xfrm>
+              <a:prstGeom prst="rect">
+                <a:avLst/>
+              </a:prstGeom>
+            </p:spPr>
+          </p:pic>
+        </mc:Fallback>
+      </mc:AlternateContent>
+      <p:grpSp>
+        <p:nvGrpSpPr>
+          <p:cNvPr id="9" name="Group 8">
+            <a:extLst>
+              <a:ext uri="{FF2B5EF4-FFF2-40B4-BE49-F238E27FC236}">
+                <a16:creationId xmlns:a16="http://schemas.microsoft.com/office/drawing/2014/main" id="{D10045BA-B92B-F9AA-6256-8FE57564BE64}"/>
+              </a:ext>
+            </a:extLst>
+          </p:cNvPr>
+          <p:cNvGrpSpPr/>
+          <p:nvPr/>
+        </p:nvGrpSpPr>
+        <p:grpSpPr>
+          <a:xfrm>
+            <a:off x="5161080" y="2712560"/>
+            <a:ext cx="360" cy="360"/>
+            <a:chOff x="5161080" y="2712560"/>
+            <a:chExt cx="360" cy="360"/>
+          </a:xfrm>
+        </p:grpSpPr>
+        <mc:AlternateContent xmlns:mc="http://schemas.openxmlformats.org/markup-compatibility/2006">
+          <mc:Choice xmlns:p14="http://schemas.microsoft.com/office/powerpoint/2010/main" Requires="p14">
+            <p:contentPart p14:bwMode="auto" r:id="rId6">
+              <p14:nvContentPartPr>
+                <p14:cNvPr id="7" name="Ink 6">
+                  <a:extLst>
+                    <a:ext uri="{FF2B5EF4-FFF2-40B4-BE49-F238E27FC236}">
+                      <a16:creationId xmlns:a16="http://schemas.microsoft.com/office/drawing/2014/main" id="{825D45DB-BBA6-0746-CBF2-148107E5BB4E}"/>
+                    </a:ext>
+                  </a:extLst>
+                </p14:cNvPr>
+                <p14:cNvContentPartPr/>
+                <p14:nvPr/>
+              </p14:nvContentPartPr>
+              <p14:xfrm>
+                <a:off x="5161080" y="2712560"/>
+                <a:ext cx="360" cy="360"/>
+              </p14:xfrm>
+            </p:contentPart>
+          </mc:Choice>
+          <mc:Fallback>
+            <p:pic>
+              <p:nvPicPr>
+                <p:cNvPr id="7" name="Ink 6">
+                  <a:extLst>
+                    <a:ext uri="{FF2B5EF4-FFF2-40B4-BE49-F238E27FC236}">
+                      <a16:creationId xmlns:a16="http://schemas.microsoft.com/office/drawing/2014/main" id="{825D45DB-BBA6-0746-CBF2-148107E5BB4E}"/>
+                    </a:ext>
+                  </a:extLst>
+                </p:cNvPr>
+                <p:cNvPicPr/>
+                <p:nvPr/>
+              </p:nvPicPr>
+              <p:blipFill>
+                <a:blip r:embed="rId4"/>
+                <a:stretch>
+                  <a:fillRect/>
+                </a:stretch>
+              </p:blipFill>
+              <p:spPr>
+                <a:xfrm>
+                  <a:off x="5152440" y="2703560"/>
+                  <a:ext cx="18000" cy="18000"/>
+                </a:xfrm>
+                <a:prstGeom prst="rect">
+                  <a:avLst/>
+                </a:prstGeom>
+              </p:spPr>
+            </p:pic>
+          </mc:Fallback>
+        </mc:AlternateContent>
+        <mc:AlternateContent xmlns:mc="http://schemas.openxmlformats.org/markup-compatibility/2006">
+          <mc:Choice xmlns:p14="http://schemas.microsoft.com/office/powerpoint/2010/main" Requires="p14">
+            <p:contentPart p14:bwMode="auto" r:id="rId7">
+              <p14:nvContentPartPr>
+                <p14:cNvPr id="8" name="Ink 7">
+                  <a:extLst>
+                    <a:ext uri="{FF2B5EF4-FFF2-40B4-BE49-F238E27FC236}">
+                      <a16:creationId xmlns:a16="http://schemas.microsoft.com/office/drawing/2014/main" id="{832E38D7-E849-D2CF-3DA7-4F28767F74B0}"/>
+                    </a:ext>
+                  </a:extLst>
+                </p14:cNvPr>
+                <p14:cNvContentPartPr/>
+                <p14:nvPr/>
+              </p14:nvContentPartPr>
+              <p14:xfrm>
+                <a:off x="5161080" y="2712560"/>
+                <a:ext cx="360" cy="360"/>
+              </p14:xfrm>
+            </p:contentPart>
+          </mc:Choice>
+          <mc:Fallback>
+            <p:pic>
+              <p:nvPicPr>
+                <p:cNvPr id="8" name="Ink 7">
+                  <a:extLst>
+                    <a:ext uri="{FF2B5EF4-FFF2-40B4-BE49-F238E27FC236}">
+                      <a16:creationId xmlns:a16="http://schemas.microsoft.com/office/drawing/2014/main" id="{832E38D7-E849-D2CF-3DA7-4F28767F74B0}"/>
+                    </a:ext>
+                  </a:extLst>
+                </p:cNvPr>
+                <p:cNvPicPr/>
+                <p:nvPr/>
+              </p:nvPicPr>
+              <p:blipFill>
+                <a:blip r:embed="rId4"/>
+                <a:stretch>
+                  <a:fillRect/>
+                </a:stretch>
+              </p:blipFill>
+              <p:spPr>
+                <a:xfrm>
+                  <a:off x="5152440" y="2703560"/>
+                  <a:ext cx="18000" cy="18000"/>
+                </a:xfrm>
+                <a:prstGeom prst="rect">
+                  <a:avLst/>
+                </a:prstGeom>
+              </p:spPr>
+            </p:pic>
+          </mc:Fallback>
+        </mc:AlternateContent>
+      </p:grpSp>
+      <mc:AlternateContent xmlns:mc="http://schemas.openxmlformats.org/markup-compatibility/2006">
+        <mc:Choice xmlns:p14="http://schemas.microsoft.com/office/powerpoint/2010/main" Requires="p14">
+          <p:contentPart p14:bwMode="auto" r:id="rId8">
+            <p14:nvContentPartPr>
+              <p14:cNvPr id="10" name="Ink 9">
+                <a:extLst>
+                  <a:ext uri="{FF2B5EF4-FFF2-40B4-BE49-F238E27FC236}">
+                    <a16:creationId xmlns:a16="http://schemas.microsoft.com/office/drawing/2014/main" id="{818BB602-AB3B-C176-373E-1929EF25920B}"/>
+                  </a:ext>
+                </a:extLst>
+              </p14:cNvPr>
+              <p14:cNvContentPartPr/>
+              <p14:nvPr/>
+            </p14:nvContentPartPr>
+            <p14:xfrm>
+              <a:off x="7386240" y="3098480"/>
+              <a:ext cx="360" cy="360"/>
+            </p14:xfrm>
+          </p:contentPart>
+        </mc:Choice>
+        <mc:Fallback>
+          <p:pic>
+            <p:nvPicPr>
+              <p:cNvPr id="10" name="Ink 9">
+                <a:extLst>
+                  <a:ext uri="{FF2B5EF4-FFF2-40B4-BE49-F238E27FC236}">
+                    <a16:creationId xmlns:a16="http://schemas.microsoft.com/office/drawing/2014/main" id="{818BB602-AB3B-C176-373E-1929EF25920B}"/>
+                  </a:ext>
+                </a:extLst>
+              </p:cNvPr>
+              <p:cNvPicPr/>
+              <p:nvPr/>
+            </p:nvPicPr>
+            <p:blipFill>
+              <a:blip r:embed="rId4"/>
+              <a:stretch>
+                <a:fillRect/>
+              </a:stretch>
+            </p:blipFill>
+            <p:spPr>
+              <a:xfrm>
+                <a:off x="7377600" y="3089480"/>
+                <a:ext cx="18000" cy="18000"/>
+              </a:xfrm>
+              <a:prstGeom prst="rect">
+                <a:avLst/>
+              </a:prstGeom>
+            </p:spPr>
+          </p:pic>
+        </mc:Fallback>
+      </mc:AlternateContent>
+      <mc:AlternateContent xmlns:mc="http://schemas.openxmlformats.org/markup-compatibility/2006">
+        <mc:Choice xmlns:p14="http://schemas.microsoft.com/office/powerpoint/2010/main" Requires="p14">
+          <p:contentPart p14:bwMode="auto" r:id="rId9">
+            <p14:nvContentPartPr>
+              <p14:cNvPr id="16" name="Ink 15">
+                <a:extLst>
+                  <a:ext uri="{FF2B5EF4-FFF2-40B4-BE49-F238E27FC236}">
+                    <a16:creationId xmlns:a16="http://schemas.microsoft.com/office/drawing/2014/main" id="{5BD46CD9-A7F0-F648-4968-AC7F74496C4E}"/>
+                  </a:ext>
+                </a:extLst>
+              </p14:cNvPr>
+              <p14:cNvContentPartPr/>
+              <p14:nvPr/>
+            </p14:nvContentPartPr>
+            <p14:xfrm>
+              <a:off x="9273360" y="3971480"/>
+              <a:ext cx="835920" cy="133920"/>
+            </p14:xfrm>
+          </p:contentPart>
+        </mc:Choice>
+        <mc:Fallback>
+          <p:pic>
+            <p:nvPicPr>
+              <p:cNvPr id="16" name="Ink 15">
+                <a:extLst>
+                  <a:ext uri="{FF2B5EF4-FFF2-40B4-BE49-F238E27FC236}">
+                    <a16:creationId xmlns:a16="http://schemas.microsoft.com/office/drawing/2014/main" id="{5BD46CD9-A7F0-F648-4968-AC7F74496C4E}"/>
+                  </a:ext>
+                </a:extLst>
+              </p:cNvPr>
+              <p:cNvPicPr/>
+              <p:nvPr/>
+            </p:nvPicPr>
+            <p:blipFill>
+              <a:blip r:embed="rId10"/>
+              <a:stretch>
+                <a:fillRect/>
+              </a:stretch>
+            </p:blipFill>
+            <p:spPr>
+              <a:xfrm>
+                <a:off x="9210720" y="3908840"/>
+                <a:ext cx="961560" cy="259560"/>
+              </a:xfrm>
+              <a:prstGeom prst="rect">
+                <a:avLst/>
+              </a:prstGeom>
+            </p:spPr>
+          </p:pic>
+        </mc:Fallback>
+      </mc:AlternateContent>
     </p:spTree>
     <p:extLst>
       <p:ext uri="{BB962C8B-B14F-4D97-AF65-F5344CB8AC3E}">
@@ -8177,10 +8947,10 @@
       </p:sp>
       <p:pic>
         <p:nvPicPr>
-          <p:cNvPr id="7" name="Content Placeholder 6">
+          <p:cNvPr id="6" name="Content Placeholder 5" descr="Diagram&#10;&#10;Description automatically generated">
             <a:extLst>
               <a:ext uri="{FF2B5EF4-FFF2-40B4-BE49-F238E27FC236}">
-                <a16:creationId xmlns:a16="http://schemas.microsoft.com/office/drawing/2014/main" id="{F72B8B48-6192-EC03-7AA9-7B30D0946628}"/>
+                <a16:creationId xmlns:a16="http://schemas.microsoft.com/office/drawing/2014/main" id="{237B5842-EB65-CC96-9AA7-AC48022EA34F}"/>
               </a:ext>
             </a:extLst>
           </p:cNvPr>
@@ -8205,8 +8975,8 @@
         </p:blipFill>
         <p:spPr>
           <a:xfrm>
-            <a:off x="3257478" y="1751817"/>
-            <a:ext cx="7119763" cy="4592084"/>
+            <a:off x="2255521" y="1746331"/>
+            <a:ext cx="8581740" cy="4165519"/>
           </a:xfrm>
         </p:spPr>
       </p:pic>
